--- a/NYTaxiTrip/ppt/NYTaxi_slides.pptx
+++ b/NYTaxiTrip/ppt/NYTaxi_slides.pptx
@@ -3927,7 +3927,7 @@
         <p:spPr>
           <a:xfrm>
             <a:off x="-4763" y="-513493"/>
-            <a:ext cx="9144000" cy="6099049"/>
+            <a:ext cx="9144000" cy="6228493"/>
           </a:xfrm>
           <a:prstGeom prst="rect">
             <a:avLst/>
@@ -4012,30 +4012,6 @@
       </p:grpSpPr>
       <p:sp>
         <p:nvSpPr>
-          <p:cNvPr id="2" name="Footer Placeholder 1"/>
-          <p:cNvSpPr>
-            <a:spLocks noGrp="1"/>
-          </p:cNvSpPr>
-          <p:nvPr>
-            <p:ph type="ftr" sz="quarter" idx="11"/>
-          </p:nvPr>
-        </p:nvSpPr>
-        <p:spPr/>
-        <p:txBody>
-          <a:bodyPr/>
-          <a:lstStyle/>
-          <a:p>
-            <a:pPr algn="r"/>
-            <a:r>
-              <a:rPr lang="en-US" smtClean="0"/>
-              <a:t>Introduction to HPCC Systems, ECL, and ECL Machine Learning</a:t>
-            </a:r>
-            <a:endParaRPr lang="en-US" dirty="0"/>
-          </a:p>
-        </p:txBody>
-      </p:sp>
-      <p:sp>
-        <p:nvSpPr>
           <p:cNvPr id="3" name="Slide Number Placeholder 2"/>
           <p:cNvSpPr>
             <a:spLocks noGrp="1"/>
@@ -4176,6 +4152,13 @@
   <p:clrMapOvr>
     <a:masterClrMapping/>
   </p:clrMapOvr>
+  <p:timing>
+    <p:tnLst>
+      <p:par>
+        <p:cTn id="1" dur="indefinite" restart="never" nodeType="tmRoot"/>
+      </p:par>
+    </p:tnLst>
+  </p:timing>
 </p:sld>
 </file>
 
@@ -4250,8 +4233,8 @@
         </p:blipFill>
         <p:spPr>
           <a:xfrm>
-            <a:off x="-545233" y="285750"/>
-            <a:ext cx="9638806" cy="5216237"/>
+            <a:off x="-216987" y="0"/>
+            <a:ext cx="9638806" cy="5715000"/>
           </a:xfrm>
           <a:prstGeom prst="rect">
             <a:avLst/>
@@ -4386,8 +4369,8 @@
         </p:blipFill>
         <p:spPr>
           <a:xfrm>
-            <a:off x="-1" y="285751"/>
-            <a:ext cx="9144001" cy="2894480"/>
+            <a:off x="-1" y="0"/>
+            <a:ext cx="9144001" cy="3180231"/>
           </a:xfrm>
           <a:prstGeom prst="rect">
             <a:avLst/>
@@ -4404,7 +4387,7 @@
         </p:nvSpPr>
         <p:spPr>
           <a:xfrm>
-            <a:off x="4401311" y="3273477"/>
+            <a:off x="4315967" y="3006715"/>
             <a:ext cx="7886700" cy="807244"/>
           </a:xfrm>
           <a:prstGeom prst="rect">
@@ -4450,7 +4433,7 @@
         </p:nvSpPr>
         <p:spPr>
           <a:xfrm>
-            <a:off x="4401311" y="4080721"/>
+            <a:off x="4315967" y="3813959"/>
             <a:ext cx="2571750" cy="902491"/>
           </a:xfrm>
           <a:prstGeom prst="rect">
@@ -4503,7 +4486,7 @@
         </p:nvSpPr>
         <p:spPr>
           <a:xfrm>
-            <a:off x="2091484" y="5185899"/>
+            <a:off x="2006140" y="4947471"/>
             <a:ext cx="7191404" cy="740587"/>
           </a:xfrm>
           <a:prstGeom prst="rect">
@@ -5173,6 +5156,13 @@
   <p:clrMapOvr>
     <a:masterClrMapping/>
   </p:clrMapOvr>
+  <p:timing>
+    <p:tnLst>
+      <p:par>
+        <p:cTn id="1" dur="indefinite" restart="never" nodeType="tmRoot"/>
+      </p:par>
+    </p:tnLst>
+  </p:timing>
 </p:sld>
 </file>
 
@@ -5353,6 +5343,13 @@
   <p:clrMapOvr>
     <a:masterClrMapping/>
   </p:clrMapOvr>
+  <p:timing>
+    <p:tnLst>
+      <p:par>
+        <p:cTn id="1" dur="indefinite" restart="never" nodeType="tmRoot"/>
+      </p:par>
+    </p:tnLst>
+  </p:timing>
 </p:sld>
 </file>
 
@@ -5565,6 +5562,13 @@
   <p:clrMapOvr>
     <a:masterClrMapping/>
   </p:clrMapOvr>
+  <p:timing>
+    <p:tnLst>
+      <p:par>
+        <p:cTn id="1" dur="indefinite" restart="never" nodeType="tmRoot"/>
+      </p:par>
+    </p:tnLst>
+  </p:timing>
 </p:sld>
 </file>
 
@@ -5601,8 +5605,8 @@
         </p:blipFill>
         <p:spPr>
           <a:xfrm>
-            <a:off x="255161" y="475060"/>
-            <a:ext cx="6120637" cy="3186746"/>
+            <a:off x="255161" y="236206"/>
+            <a:ext cx="6579393" cy="3425600"/>
           </a:xfrm>
           <a:prstGeom prst="rect">
             <a:avLst/>
@@ -5745,6 +5749,13 @@
   <p:clrMapOvr>
     <a:masterClrMapping/>
   </p:clrMapOvr>
+  <p:timing>
+    <p:tnLst>
+      <p:par>
+        <p:cTn id="1" dur="indefinite" restart="never" nodeType="tmRoot"/>
+      </p:par>
+    </p:tnLst>
+  </p:timing>
 </p:sld>
 </file>
 
@@ -5848,15 +5859,15 @@
           <a:lstStyle/>
           <a:p>
             <a:r>
-              <a:rPr lang="en-US" sz="1053" dirty="0">
+              <a:rPr lang="en-US" sz="1053" dirty="0" smtClean="0">
                 <a:solidFill>
                   <a:srgbClr val="FF0000"/>
                 </a:solidFill>
               </a:rPr>
-              <a:t>Logistic</a:t>
-            </a:r>
-            <a:r>
-              <a:rPr lang="en-US" sz="1053" dirty="0"/>
+              <a:t>Linear</a:t>
+            </a:r>
+            <a:r>
+              <a:rPr lang="en-US" sz="1053" dirty="0" smtClean="0"/>
               <a:t> </a:t>
             </a:r>
             <a:r>
@@ -6024,6 +6035,13 @@
   <p:clrMapOvr>
     <a:masterClrMapping/>
   </p:clrMapOvr>
+  <p:timing>
+    <p:tnLst>
+      <p:par>
+        <p:cTn id="1" dur="indefinite" restart="never" nodeType="tmRoot"/>
+      </p:par>
+    </p:tnLst>
+  </p:timing>
 </p:sld>
 </file>
 
@@ -6303,6 +6321,13 @@
   <p:clrMapOvr>
     <a:masterClrMapping/>
   </p:clrMapOvr>
+  <p:timing>
+    <p:tnLst>
+      <p:par>
+        <p:cTn id="1" dur="indefinite" restart="never" nodeType="tmRoot"/>
+      </p:par>
+    </p:tnLst>
+  </p:timing>
 </p:sld>
 </file>
 
